--- a/C#/ページ作成スケジュール.pptx
+++ b/C#/ページ作成スケジュール.pptx
@@ -105,6 +105,11 @@
       </a:defRPr>
     </a:lvl9pPr>
   </p:defaultTextStyle>
+  <p:extLst>
+    <p:ext uri="{EFAFB233-063F-42B5-8137-9DF3F51BA10A}">
+      <p15:sldGuideLst xmlns:p15="http://schemas.microsoft.com/office/powerpoint/2012/main"/>
+    </p:ext>
+  </p:extLst>
 </p:presentation>
 </file>
 
@@ -6138,6 +6143,57 @@
             <a:endParaRPr lang="en-US" altLang="ja-JP" sz="2400" dirty="0"/>
           </a:p>
           <a:p>
+            <a:pPr marL="1257300" lvl="2" indent="-342900" algn="l">
+              <a:buFont typeface="Arial" panose="020B0604020202020204" pitchFamily="34" charset="0"/>
+              <a:buChar char="•"/>
+            </a:pPr>
+            <a:r>
+              <a:rPr lang="ja-JP" altLang="en-US" sz="2200" dirty="0"/>
+              <a:t>ホーム画面</a:t>
+            </a:r>
+            <a:endParaRPr lang="en-US" altLang="ja-JP" sz="2200" dirty="0"/>
+          </a:p>
+          <a:p>
+            <a:pPr marL="1257300" lvl="2" indent="-342900" algn="l">
+              <a:buFont typeface="Arial" panose="020B0604020202020204" pitchFamily="34" charset="0"/>
+              <a:buChar char="•"/>
+            </a:pPr>
+            <a:r>
+              <a:rPr lang="ja-JP" altLang="en-US" sz="2200" dirty="0"/>
+              <a:t>観光地を表示（画像＋詳細）</a:t>
+            </a:r>
+            <a:endParaRPr lang="en-US" altLang="ja-JP" sz="2200" dirty="0"/>
+          </a:p>
+          <a:p>
+            <a:pPr marL="1257300" lvl="2" indent="-342900" algn="l">
+              <a:buFont typeface="Arial" panose="020B0604020202020204" pitchFamily="34" charset="0"/>
+              <a:buChar char="•"/>
+            </a:pPr>
+            <a:r>
+              <a:rPr lang="ja-JP" altLang="en-US" sz="2200" dirty="0"/>
+              <a:t>文化を表示（画像＋詳細）</a:t>
+            </a:r>
+            <a:endParaRPr lang="en-US" altLang="ja-JP" sz="2200" dirty="0"/>
+          </a:p>
+          <a:p>
+            <a:pPr marL="1257300" lvl="2" indent="-342900" algn="l">
+              <a:buFont typeface="Arial" panose="020B0604020202020204" pitchFamily="34" charset="0"/>
+              <a:buChar char="•"/>
+            </a:pPr>
+            <a:r>
+              <a:rPr lang="ja-JP" altLang="en-US" sz="2200" dirty="0"/>
+              <a:t>インドネシアについて表示（画像＋詳細）</a:t>
+            </a:r>
+            <a:endParaRPr lang="en-US" altLang="ja-JP" sz="2200" dirty="0"/>
+          </a:p>
+          <a:p>
+            <a:pPr marL="1257300" lvl="2" indent="-342900" algn="l">
+              <a:buFont typeface="Arial" panose="020B0604020202020204" pitchFamily="34" charset="0"/>
+              <a:buChar char="•"/>
+            </a:pPr>
+            <a:endParaRPr lang="en-US" altLang="ja-JP" sz="2200" dirty="0"/>
+          </a:p>
+          <a:p>
             <a:pPr marL="914400" lvl="1" indent="-457200" algn="l">
               <a:buFont typeface="+mj-lt"/>
               <a:buAutoNum type="arabicPeriod"/>

--- a/C#/ページ作成スケジュール.pptx
+++ b/C#/ページ作成スケジュール.pptx
@@ -7,6 +7,7 @@
   <p:sldIdLst>
     <p:sldId id="256" r:id="rId2"/>
     <p:sldId id="257" r:id="rId3"/>
+    <p:sldId id="258" r:id="rId4"/>
   </p:sldIdLst>
   <p:sldSz cx="12192000" cy="6858000"/>
   <p:notesSz cx="6858000" cy="9144000"/>
@@ -5972,6 +5973,536 @@
   <p:clrMapOvr>
     <a:masterClrMapping/>
   </p:clrMapOvr>
+  <mc:AlternateContent xmlns:mc="http://schemas.openxmlformats.org/markup-compatibility/2006">
+    <mc:Choice xmlns:p14="http://schemas.microsoft.com/office/powerpoint/2010/main" Requires="p14">
+      <p:transition spd="med" p14:dur="700">
+        <p:fade/>
+      </p:transition>
+    </mc:Choice>
+    <mc:Fallback>
+      <p:transition spd="med">
+        <p:fade/>
+      </p:transition>
+    </mc:Fallback>
+  </mc:AlternateContent>
+  <p:timing>
+    <p:tnLst>
+      <p:par>
+        <p:cTn id="1" dur="indefinite" restart="never" nodeType="tmRoot">
+          <p:childTnLst>
+            <p:seq concurrent="1" nextAc="seek">
+              <p:cTn id="2" dur="indefinite" nodeType="mainSeq">
+                <p:childTnLst>
+                  <p:par>
+                    <p:cTn id="3" fill="hold">
+                      <p:stCondLst>
+                        <p:cond delay="indefinite"/>
+                      </p:stCondLst>
+                      <p:childTnLst>
+                        <p:par>
+                          <p:cTn id="4" fill="hold">
+                            <p:stCondLst>
+                              <p:cond delay="0"/>
+                            </p:stCondLst>
+                            <p:childTnLst>
+                              <p:par>
+                                <p:cTn id="5" presetID="10" presetClass="entr" presetSubtype="0" fill="hold" nodeType="clickEffect">
+                                  <p:stCondLst>
+                                    <p:cond delay="0"/>
+                                  </p:stCondLst>
+                                  <p:childTnLst>
+                                    <p:set>
+                                      <p:cBhvr>
+                                        <p:cTn id="6" dur="1" fill="hold">
+                                          <p:stCondLst>
+                                            <p:cond delay="0"/>
+                                          </p:stCondLst>
+                                        </p:cTn>
+                                        <p:tgtEl>
+                                          <p:spTgt spid="3">
+                                            <p:txEl>
+                                              <p:pRg st="0" end="0"/>
+                                            </p:txEl>
+                                          </p:spTgt>
+                                        </p:tgtEl>
+                                        <p:attrNameLst>
+                                          <p:attrName>style.visibility</p:attrName>
+                                        </p:attrNameLst>
+                                      </p:cBhvr>
+                                      <p:to>
+                                        <p:strVal val="visible"/>
+                                      </p:to>
+                                    </p:set>
+                                    <p:animEffect transition="in" filter="fade">
+                                      <p:cBhvr>
+                                        <p:cTn id="7" dur="500"/>
+                                        <p:tgtEl>
+                                          <p:spTgt spid="3">
+                                            <p:txEl>
+                                              <p:pRg st="0" end="0"/>
+                                            </p:txEl>
+                                          </p:spTgt>
+                                        </p:tgtEl>
+                                      </p:cBhvr>
+                                    </p:animEffect>
+                                  </p:childTnLst>
+                                </p:cTn>
+                              </p:par>
+                            </p:childTnLst>
+                          </p:cTn>
+                        </p:par>
+                      </p:childTnLst>
+                    </p:cTn>
+                  </p:par>
+                  <p:par>
+                    <p:cTn id="8" fill="hold">
+                      <p:stCondLst>
+                        <p:cond delay="indefinite"/>
+                      </p:stCondLst>
+                      <p:childTnLst>
+                        <p:par>
+                          <p:cTn id="9" fill="hold">
+                            <p:stCondLst>
+                              <p:cond delay="0"/>
+                            </p:stCondLst>
+                            <p:childTnLst>
+                              <p:par>
+                                <p:cTn id="10" presetID="16" presetClass="entr" presetSubtype="21" fill="hold" nodeType="clickEffect">
+                                  <p:stCondLst>
+                                    <p:cond delay="0"/>
+                                  </p:stCondLst>
+                                  <p:childTnLst>
+                                    <p:set>
+                                      <p:cBhvr>
+                                        <p:cTn id="11" dur="1" fill="hold">
+                                          <p:stCondLst>
+                                            <p:cond delay="0"/>
+                                          </p:stCondLst>
+                                        </p:cTn>
+                                        <p:tgtEl>
+                                          <p:spTgt spid="3">
+                                            <p:txEl>
+                                              <p:pRg st="1" end="1"/>
+                                            </p:txEl>
+                                          </p:spTgt>
+                                        </p:tgtEl>
+                                        <p:attrNameLst>
+                                          <p:attrName>style.visibility</p:attrName>
+                                        </p:attrNameLst>
+                                      </p:cBhvr>
+                                      <p:to>
+                                        <p:strVal val="visible"/>
+                                      </p:to>
+                                    </p:set>
+                                    <p:animEffect transition="in" filter="barn(inVertical)">
+                                      <p:cBhvr>
+                                        <p:cTn id="12" dur="500"/>
+                                        <p:tgtEl>
+                                          <p:spTgt spid="3">
+                                            <p:txEl>
+                                              <p:pRg st="1" end="1"/>
+                                            </p:txEl>
+                                          </p:spTgt>
+                                        </p:tgtEl>
+                                      </p:cBhvr>
+                                    </p:animEffect>
+                                  </p:childTnLst>
+                                </p:cTn>
+                              </p:par>
+                            </p:childTnLst>
+                          </p:cTn>
+                        </p:par>
+                      </p:childTnLst>
+                    </p:cTn>
+                  </p:par>
+                  <p:par>
+                    <p:cTn id="13" fill="hold">
+                      <p:stCondLst>
+                        <p:cond delay="indefinite"/>
+                      </p:stCondLst>
+                      <p:childTnLst>
+                        <p:par>
+                          <p:cTn id="14" fill="hold">
+                            <p:stCondLst>
+                              <p:cond delay="0"/>
+                            </p:stCondLst>
+                            <p:childTnLst>
+                              <p:par>
+                                <p:cTn id="15" presetID="10" presetClass="entr" presetSubtype="0" fill="hold" nodeType="clickEffect">
+                                  <p:stCondLst>
+                                    <p:cond delay="0"/>
+                                  </p:stCondLst>
+                                  <p:childTnLst>
+                                    <p:set>
+                                      <p:cBhvr>
+                                        <p:cTn id="16" dur="1" fill="hold">
+                                          <p:stCondLst>
+                                            <p:cond delay="0"/>
+                                          </p:stCondLst>
+                                        </p:cTn>
+                                        <p:tgtEl>
+                                          <p:spTgt spid="3">
+                                            <p:txEl>
+                                              <p:pRg st="3" end="3"/>
+                                            </p:txEl>
+                                          </p:spTgt>
+                                        </p:tgtEl>
+                                        <p:attrNameLst>
+                                          <p:attrName>style.visibility</p:attrName>
+                                        </p:attrNameLst>
+                                      </p:cBhvr>
+                                      <p:to>
+                                        <p:strVal val="visible"/>
+                                      </p:to>
+                                    </p:set>
+                                    <p:animEffect transition="in" filter="fade">
+                                      <p:cBhvr>
+                                        <p:cTn id="17" dur="500"/>
+                                        <p:tgtEl>
+                                          <p:spTgt spid="3">
+                                            <p:txEl>
+                                              <p:pRg st="3" end="3"/>
+                                            </p:txEl>
+                                          </p:spTgt>
+                                        </p:tgtEl>
+                                      </p:cBhvr>
+                                    </p:animEffect>
+                                  </p:childTnLst>
+                                </p:cTn>
+                              </p:par>
+                            </p:childTnLst>
+                          </p:cTn>
+                        </p:par>
+                      </p:childTnLst>
+                    </p:cTn>
+                  </p:par>
+                  <p:par>
+                    <p:cTn id="18" fill="hold">
+                      <p:stCondLst>
+                        <p:cond delay="indefinite"/>
+                      </p:stCondLst>
+                      <p:childTnLst>
+                        <p:par>
+                          <p:cTn id="19" fill="hold">
+                            <p:stCondLst>
+                              <p:cond delay="0"/>
+                            </p:stCondLst>
+                            <p:childTnLst>
+                              <p:par>
+                                <p:cTn id="20" presetID="16" presetClass="entr" presetSubtype="21" fill="hold" nodeType="clickEffect">
+                                  <p:stCondLst>
+                                    <p:cond delay="0"/>
+                                  </p:stCondLst>
+                                  <p:childTnLst>
+                                    <p:set>
+                                      <p:cBhvr>
+                                        <p:cTn id="21" dur="1" fill="hold">
+                                          <p:stCondLst>
+                                            <p:cond delay="0"/>
+                                          </p:stCondLst>
+                                        </p:cTn>
+                                        <p:tgtEl>
+                                          <p:spTgt spid="3">
+                                            <p:txEl>
+                                              <p:pRg st="4" end="4"/>
+                                            </p:txEl>
+                                          </p:spTgt>
+                                        </p:tgtEl>
+                                        <p:attrNameLst>
+                                          <p:attrName>style.visibility</p:attrName>
+                                        </p:attrNameLst>
+                                      </p:cBhvr>
+                                      <p:to>
+                                        <p:strVal val="visible"/>
+                                      </p:to>
+                                    </p:set>
+                                    <p:animEffect transition="in" filter="barn(inVertical)">
+                                      <p:cBhvr>
+                                        <p:cTn id="22" dur="500"/>
+                                        <p:tgtEl>
+                                          <p:spTgt spid="3">
+                                            <p:txEl>
+                                              <p:pRg st="4" end="4"/>
+                                            </p:txEl>
+                                          </p:spTgt>
+                                        </p:tgtEl>
+                                      </p:cBhvr>
+                                    </p:animEffect>
+                                  </p:childTnLst>
+                                </p:cTn>
+                              </p:par>
+                            </p:childTnLst>
+                          </p:cTn>
+                        </p:par>
+                      </p:childTnLst>
+                    </p:cTn>
+                  </p:par>
+                  <p:par>
+                    <p:cTn id="23" fill="hold">
+                      <p:stCondLst>
+                        <p:cond delay="indefinite"/>
+                      </p:stCondLst>
+                      <p:childTnLst>
+                        <p:par>
+                          <p:cTn id="24" fill="hold">
+                            <p:stCondLst>
+                              <p:cond delay="0"/>
+                            </p:stCondLst>
+                            <p:childTnLst>
+                              <p:par>
+                                <p:cTn id="25" presetID="10" presetClass="entr" presetSubtype="0" fill="hold" nodeType="clickEffect">
+                                  <p:stCondLst>
+                                    <p:cond delay="0"/>
+                                  </p:stCondLst>
+                                  <p:childTnLst>
+                                    <p:set>
+                                      <p:cBhvr>
+                                        <p:cTn id="26" dur="1" fill="hold">
+                                          <p:stCondLst>
+                                            <p:cond delay="0"/>
+                                          </p:stCondLst>
+                                        </p:cTn>
+                                        <p:tgtEl>
+                                          <p:spTgt spid="3">
+                                            <p:txEl>
+                                              <p:pRg st="6" end="6"/>
+                                            </p:txEl>
+                                          </p:spTgt>
+                                        </p:tgtEl>
+                                        <p:attrNameLst>
+                                          <p:attrName>style.visibility</p:attrName>
+                                        </p:attrNameLst>
+                                      </p:cBhvr>
+                                      <p:to>
+                                        <p:strVal val="visible"/>
+                                      </p:to>
+                                    </p:set>
+                                    <p:animEffect transition="in" filter="fade">
+                                      <p:cBhvr>
+                                        <p:cTn id="27" dur="500"/>
+                                        <p:tgtEl>
+                                          <p:spTgt spid="3">
+                                            <p:txEl>
+                                              <p:pRg st="6" end="6"/>
+                                            </p:txEl>
+                                          </p:spTgt>
+                                        </p:tgtEl>
+                                      </p:cBhvr>
+                                    </p:animEffect>
+                                  </p:childTnLst>
+                                </p:cTn>
+                              </p:par>
+                            </p:childTnLst>
+                          </p:cTn>
+                        </p:par>
+                      </p:childTnLst>
+                    </p:cTn>
+                  </p:par>
+                  <p:par>
+                    <p:cTn id="28" fill="hold">
+                      <p:stCondLst>
+                        <p:cond delay="indefinite"/>
+                      </p:stCondLst>
+                      <p:childTnLst>
+                        <p:par>
+                          <p:cTn id="29" fill="hold">
+                            <p:stCondLst>
+                              <p:cond delay="0"/>
+                            </p:stCondLst>
+                            <p:childTnLst>
+                              <p:par>
+                                <p:cTn id="30" presetID="16" presetClass="entr" presetSubtype="21" fill="hold" nodeType="clickEffect">
+                                  <p:stCondLst>
+                                    <p:cond delay="0"/>
+                                  </p:stCondLst>
+                                  <p:childTnLst>
+                                    <p:set>
+                                      <p:cBhvr>
+                                        <p:cTn id="31" dur="1" fill="hold">
+                                          <p:stCondLst>
+                                            <p:cond delay="0"/>
+                                          </p:stCondLst>
+                                        </p:cTn>
+                                        <p:tgtEl>
+                                          <p:spTgt spid="3">
+                                            <p:txEl>
+                                              <p:pRg st="7" end="7"/>
+                                            </p:txEl>
+                                          </p:spTgt>
+                                        </p:tgtEl>
+                                        <p:attrNameLst>
+                                          <p:attrName>style.visibility</p:attrName>
+                                        </p:attrNameLst>
+                                      </p:cBhvr>
+                                      <p:to>
+                                        <p:strVal val="visible"/>
+                                      </p:to>
+                                    </p:set>
+                                    <p:animEffect transition="in" filter="barn(inVertical)">
+                                      <p:cBhvr>
+                                        <p:cTn id="32" dur="500"/>
+                                        <p:tgtEl>
+                                          <p:spTgt spid="3">
+                                            <p:txEl>
+                                              <p:pRg st="7" end="7"/>
+                                            </p:txEl>
+                                          </p:spTgt>
+                                        </p:tgtEl>
+                                      </p:cBhvr>
+                                    </p:animEffect>
+                                  </p:childTnLst>
+                                </p:cTn>
+                              </p:par>
+                            </p:childTnLst>
+                          </p:cTn>
+                        </p:par>
+                      </p:childTnLst>
+                    </p:cTn>
+                  </p:par>
+                  <p:par>
+                    <p:cTn id="33" fill="hold">
+                      <p:stCondLst>
+                        <p:cond delay="indefinite"/>
+                      </p:stCondLst>
+                      <p:childTnLst>
+                        <p:par>
+                          <p:cTn id="34" fill="hold">
+                            <p:stCondLst>
+                              <p:cond delay="0"/>
+                            </p:stCondLst>
+                            <p:childTnLst>
+                              <p:par>
+                                <p:cTn id="35" presetID="16" presetClass="entr" presetSubtype="21" fill="hold" nodeType="clickEffect">
+                                  <p:stCondLst>
+                                    <p:cond delay="0"/>
+                                  </p:stCondLst>
+                                  <p:childTnLst>
+                                    <p:set>
+                                      <p:cBhvr>
+                                        <p:cTn id="36" dur="1" fill="hold">
+                                          <p:stCondLst>
+                                            <p:cond delay="0"/>
+                                          </p:stCondLst>
+                                        </p:cTn>
+                                        <p:tgtEl>
+                                          <p:spTgt spid="3">
+                                            <p:txEl>
+                                              <p:pRg st="8" end="8"/>
+                                            </p:txEl>
+                                          </p:spTgt>
+                                        </p:tgtEl>
+                                        <p:attrNameLst>
+                                          <p:attrName>style.visibility</p:attrName>
+                                        </p:attrNameLst>
+                                      </p:cBhvr>
+                                      <p:to>
+                                        <p:strVal val="visible"/>
+                                      </p:to>
+                                    </p:set>
+                                    <p:animEffect transition="in" filter="barn(inVertical)">
+                                      <p:cBhvr>
+                                        <p:cTn id="37" dur="500"/>
+                                        <p:tgtEl>
+                                          <p:spTgt spid="3">
+                                            <p:txEl>
+                                              <p:pRg st="8" end="8"/>
+                                            </p:txEl>
+                                          </p:spTgt>
+                                        </p:tgtEl>
+                                      </p:cBhvr>
+                                    </p:animEffect>
+                                  </p:childTnLst>
+                                </p:cTn>
+                              </p:par>
+                            </p:childTnLst>
+                          </p:cTn>
+                        </p:par>
+                      </p:childTnLst>
+                    </p:cTn>
+                  </p:par>
+                  <p:par>
+                    <p:cTn id="38" fill="hold">
+                      <p:stCondLst>
+                        <p:cond delay="indefinite"/>
+                      </p:stCondLst>
+                      <p:childTnLst>
+                        <p:par>
+                          <p:cTn id="39" fill="hold">
+                            <p:stCondLst>
+                              <p:cond delay="0"/>
+                            </p:stCondLst>
+                            <p:childTnLst>
+                              <p:par>
+                                <p:cTn id="40" presetID="16" presetClass="entr" presetSubtype="21" fill="hold" nodeType="clickEffect">
+                                  <p:stCondLst>
+                                    <p:cond delay="0"/>
+                                  </p:stCondLst>
+                                  <p:childTnLst>
+                                    <p:set>
+                                      <p:cBhvr>
+                                        <p:cTn id="41" dur="1" fill="hold">
+                                          <p:stCondLst>
+                                            <p:cond delay="0"/>
+                                          </p:stCondLst>
+                                        </p:cTn>
+                                        <p:tgtEl>
+                                          <p:spTgt spid="3">
+                                            <p:txEl>
+                                              <p:pRg st="9" end="9"/>
+                                            </p:txEl>
+                                          </p:spTgt>
+                                        </p:tgtEl>
+                                        <p:attrNameLst>
+                                          <p:attrName>style.visibility</p:attrName>
+                                        </p:attrNameLst>
+                                      </p:cBhvr>
+                                      <p:to>
+                                        <p:strVal val="visible"/>
+                                      </p:to>
+                                    </p:set>
+                                    <p:animEffect transition="in" filter="barn(inVertical)">
+                                      <p:cBhvr>
+                                        <p:cTn id="42" dur="500"/>
+                                        <p:tgtEl>
+                                          <p:spTgt spid="3">
+                                            <p:txEl>
+                                              <p:pRg st="9" end="9"/>
+                                            </p:txEl>
+                                          </p:spTgt>
+                                        </p:tgtEl>
+                                      </p:cBhvr>
+                                    </p:animEffect>
+                                  </p:childTnLst>
+                                </p:cTn>
+                              </p:par>
+                            </p:childTnLst>
+                          </p:cTn>
+                        </p:par>
+                      </p:childTnLst>
+                    </p:cTn>
+                  </p:par>
+                </p:childTnLst>
+              </p:cTn>
+              <p:prevCondLst>
+                <p:cond evt="onPrev" delay="0">
+                  <p:tgtEl>
+                    <p:sldTgt/>
+                  </p:tgtEl>
+                </p:cond>
+              </p:prevCondLst>
+              <p:nextCondLst>
+                <p:cond evt="onNext" delay="0">
+                  <p:tgtEl>
+                    <p:sldTgt/>
+                  </p:tgtEl>
+                </p:cond>
+              </p:nextCondLst>
+            </p:seq>
+          </p:childTnLst>
+        </p:cTn>
+      </p:par>
+    </p:tnLst>
+  </p:timing>
 </p:sld>
 </file>
 
@@ -6219,6 +6750,883 @@
   <p:clrMapOvr>
     <a:masterClrMapping/>
   </p:clrMapOvr>
+  <mc:AlternateContent xmlns:mc="http://schemas.openxmlformats.org/markup-compatibility/2006">
+    <mc:Choice xmlns:p14="http://schemas.microsoft.com/office/powerpoint/2010/main" Requires="p14">
+      <p:transition spd="med" p14:dur="700">
+        <p:fade/>
+      </p:transition>
+    </mc:Choice>
+    <mc:Fallback>
+      <p:transition spd="med">
+        <p:fade/>
+      </p:transition>
+    </mc:Fallback>
+  </mc:AlternateContent>
+  <p:timing>
+    <p:tnLst>
+      <p:par>
+        <p:cTn id="1" dur="indefinite" restart="never" nodeType="tmRoot">
+          <p:childTnLst>
+            <p:seq concurrent="1" nextAc="seek">
+              <p:cTn id="2" dur="indefinite" nodeType="mainSeq">
+                <p:childTnLst>
+                  <p:par>
+                    <p:cTn id="3" fill="hold">
+                      <p:stCondLst>
+                        <p:cond delay="indefinite"/>
+                      </p:stCondLst>
+                      <p:childTnLst>
+                        <p:par>
+                          <p:cTn id="4" fill="hold">
+                            <p:stCondLst>
+                              <p:cond delay="0"/>
+                            </p:stCondLst>
+                            <p:childTnLst>
+                              <p:par>
+                                <p:cTn id="5" presetID="10" presetClass="entr" presetSubtype="0" fill="hold" nodeType="clickEffect">
+                                  <p:stCondLst>
+                                    <p:cond delay="0"/>
+                                  </p:stCondLst>
+                                  <p:childTnLst>
+                                    <p:set>
+                                      <p:cBhvr>
+                                        <p:cTn id="6" dur="1" fill="hold">
+                                          <p:stCondLst>
+                                            <p:cond delay="0"/>
+                                          </p:stCondLst>
+                                        </p:cTn>
+                                        <p:tgtEl>
+                                          <p:spTgt spid="3">
+                                            <p:txEl>
+                                              <p:pRg st="0" end="0"/>
+                                            </p:txEl>
+                                          </p:spTgt>
+                                        </p:tgtEl>
+                                        <p:attrNameLst>
+                                          <p:attrName>style.visibility</p:attrName>
+                                        </p:attrNameLst>
+                                      </p:cBhvr>
+                                      <p:to>
+                                        <p:strVal val="visible"/>
+                                      </p:to>
+                                    </p:set>
+                                    <p:animEffect transition="in" filter="fade">
+                                      <p:cBhvr>
+                                        <p:cTn id="7" dur="500"/>
+                                        <p:tgtEl>
+                                          <p:spTgt spid="3">
+                                            <p:txEl>
+                                              <p:pRg st="0" end="0"/>
+                                            </p:txEl>
+                                          </p:spTgt>
+                                        </p:tgtEl>
+                                      </p:cBhvr>
+                                    </p:animEffect>
+                                  </p:childTnLst>
+                                </p:cTn>
+                              </p:par>
+                            </p:childTnLst>
+                          </p:cTn>
+                        </p:par>
+                      </p:childTnLst>
+                    </p:cTn>
+                  </p:par>
+                  <p:par>
+                    <p:cTn id="8" fill="hold">
+                      <p:stCondLst>
+                        <p:cond delay="indefinite"/>
+                      </p:stCondLst>
+                      <p:childTnLst>
+                        <p:par>
+                          <p:cTn id="9" fill="hold">
+                            <p:stCondLst>
+                              <p:cond delay="0"/>
+                            </p:stCondLst>
+                            <p:childTnLst>
+                              <p:par>
+                                <p:cTn id="10" presetID="16" presetClass="entr" presetSubtype="21" fill="hold" nodeType="clickEffect">
+                                  <p:stCondLst>
+                                    <p:cond delay="0"/>
+                                  </p:stCondLst>
+                                  <p:childTnLst>
+                                    <p:set>
+                                      <p:cBhvr>
+                                        <p:cTn id="11" dur="1" fill="hold">
+                                          <p:stCondLst>
+                                            <p:cond delay="0"/>
+                                          </p:stCondLst>
+                                        </p:cTn>
+                                        <p:tgtEl>
+                                          <p:spTgt spid="3">
+                                            <p:txEl>
+                                              <p:pRg st="1" end="1"/>
+                                            </p:txEl>
+                                          </p:spTgt>
+                                        </p:tgtEl>
+                                        <p:attrNameLst>
+                                          <p:attrName>style.visibility</p:attrName>
+                                        </p:attrNameLst>
+                                      </p:cBhvr>
+                                      <p:to>
+                                        <p:strVal val="visible"/>
+                                      </p:to>
+                                    </p:set>
+                                    <p:animEffect transition="in" filter="barn(inVertical)">
+                                      <p:cBhvr>
+                                        <p:cTn id="12" dur="500"/>
+                                        <p:tgtEl>
+                                          <p:spTgt spid="3">
+                                            <p:txEl>
+                                              <p:pRg st="1" end="1"/>
+                                            </p:txEl>
+                                          </p:spTgt>
+                                        </p:tgtEl>
+                                      </p:cBhvr>
+                                    </p:animEffect>
+                                  </p:childTnLst>
+                                </p:cTn>
+                              </p:par>
+                            </p:childTnLst>
+                          </p:cTn>
+                        </p:par>
+                      </p:childTnLst>
+                    </p:cTn>
+                  </p:par>
+                  <p:par>
+                    <p:cTn id="13" fill="hold">
+                      <p:stCondLst>
+                        <p:cond delay="indefinite"/>
+                      </p:stCondLst>
+                      <p:childTnLst>
+                        <p:par>
+                          <p:cTn id="14" fill="hold">
+                            <p:stCondLst>
+                              <p:cond delay="0"/>
+                            </p:stCondLst>
+                            <p:childTnLst>
+                              <p:par>
+                                <p:cTn id="15" presetID="16" presetClass="entr" presetSubtype="21" fill="hold" nodeType="clickEffect">
+                                  <p:stCondLst>
+                                    <p:cond delay="0"/>
+                                  </p:stCondLst>
+                                  <p:childTnLst>
+                                    <p:set>
+                                      <p:cBhvr>
+                                        <p:cTn id="16" dur="1" fill="hold">
+                                          <p:stCondLst>
+                                            <p:cond delay="0"/>
+                                          </p:stCondLst>
+                                        </p:cTn>
+                                        <p:tgtEl>
+                                          <p:spTgt spid="3">
+                                            <p:txEl>
+                                              <p:pRg st="2" end="2"/>
+                                            </p:txEl>
+                                          </p:spTgt>
+                                        </p:tgtEl>
+                                        <p:attrNameLst>
+                                          <p:attrName>style.visibility</p:attrName>
+                                        </p:attrNameLst>
+                                      </p:cBhvr>
+                                      <p:to>
+                                        <p:strVal val="visible"/>
+                                      </p:to>
+                                    </p:set>
+                                    <p:animEffect transition="in" filter="barn(inVertical)">
+                                      <p:cBhvr>
+                                        <p:cTn id="17" dur="500"/>
+                                        <p:tgtEl>
+                                          <p:spTgt spid="3">
+                                            <p:txEl>
+                                              <p:pRg st="2" end="2"/>
+                                            </p:txEl>
+                                          </p:spTgt>
+                                        </p:tgtEl>
+                                      </p:cBhvr>
+                                    </p:animEffect>
+                                  </p:childTnLst>
+                                </p:cTn>
+                              </p:par>
+                            </p:childTnLst>
+                          </p:cTn>
+                        </p:par>
+                      </p:childTnLst>
+                    </p:cTn>
+                  </p:par>
+                  <p:par>
+                    <p:cTn id="18" fill="hold">
+                      <p:stCondLst>
+                        <p:cond delay="indefinite"/>
+                      </p:stCondLst>
+                      <p:childTnLst>
+                        <p:par>
+                          <p:cTn id="19" fill="hold">
+                            <p:stCondLst>
+                              <p:cond delay="0"/>
+                            </p:stCondLst>
+                            <p:childTnLst>
+                              <p:par>
+                                <p:cTn id="20" presetID="16" presetClass="entr" presetSubtype="21" fill="hold" nodeType="clickEffect">
+                                  <p:stCondLst>
+                                    <p:cond delay="0"/>
+                                  </p:stCondLst>
+                                  <p:childTnLst>
+                                    <p:set>
+                                      <p:cBhvr>
+                                        <p:cTn id="21" dur="1" fill="hold">
+                                          <p:stCondLst>
+                                            <p:cond delay="0"/>
+                                          </p:stCondLst>
+                                        </p:cTn>
+                                        <p:tgtEl>
+                                          <p:spTgt spid="3">
+                                            <p:txEl>
+                                              <p:pRg st="3" end="3"/>
+                                            </p:txEl>
+                                          </p:spTgt>
+                                        </p:tgtEl>
+                                        <p:attrNameLst>
+                                          <p:attrName>style.visibility</p:attrName>
+                                        </p:attrNameLst>
+                                      </p:cBhvr>
+                                      <p:to>
+                                        <p:strVal val="visible"/>
+                                      </p:to>
+                                    </p:set>
+                                    <p:animEffect transition="in" filter="barn(inVertical)">
+                                      <p:cBhvr>
+                                        <p:cTn id="22" dur="500"/>
+                                        <p:tgtEl>
+                                          <p:spTgt spid="3">
+                                            <p:txEl>
+                                              <p:pRg st="3" end="3"/>
+                                            </p:txEl>
+                                          </p:spTgt>
+                                        </p:tgtEl>
+                                      </p:cBhvr>
+                                    </p:animEffect>
+                                  </p:childTnLst>
+                                </p:cTn>
+                              </p:par>
+                            </p:childTnLst>
+                          </p:cTn>
+                        </p:par>
+                      </p:childTnLst>
+                    </p:cTn>
+                  </p:par>
+                  <p:par>
+                    <p:cTn id="23" fill="hold">
+                      <p:stCondLst>
+                        <p:cond delay="indefinite"/>
+                      </p:stCondLst>
+                      <p:childTnLst>
+                        <p:par>
+                          <p:cTn id="24" fill="hold">
+                            <p:stCondLst>
+                              <p:cond delay="0"/>
+                            </p:stCondLst>
+                            <p:childTnLst>
+                              <p:par>
+                                <p:cTn id="25" presetID="16" presetClass="entr" presetSubtype="21" fill="hold" nodeType="clickEffect">
+                                  <p:stCondLst>
+                                    <p:cond delay="0"/>
+                                  </p:stCondLst>
+                                  <p:childTnLst>
+                                    <p:set>
+                                      <p:cBhvr>
+                                        <p:cTn id="26" dur="1" fill="hold">
+                                          <p:stCondLst>
+                                            <p:cond delay="0"/>
+                                          </p:stCondLst>
+                                        </p:cTn>
+                                        <p:tgtEl>
+                                          <p:spTgt spid="3">
+                                            <p:txEl>
+                                              <p:pRg st="4" end="4"/>
+                                            </p:txEl>
+                                          </p:spTgt>
+                                        </p:tgtEl>
+                                        <p:attrNameLst>
+                                          <p:attrName>style.visibility</p:attrName>
+                                        </p:attrNameLst>
+                                      </p:cBhvr>
+                                      <p:to>
+                                        <p:strVal val="visible"/>
+                                      </p:to>
+                                    </p:set>
+                                    <p:animEffect transition="in" filter="barn(inVertical)">
+                                      <p:cBhvr>
+                                        <p:cTn id="27" dur="500"/>
+                                        <p:tgtEl>
+                                          <p:spTgt spid="3">
+                                            <p:txEl>
+                                              <p:pRg st="4" end="4"/>
+                                            </p:txEl>
+                                          </p:spTgt>
+                                        </p:tgtEl>
+                                      </p:cBhvr>
+                                    </p:animEffect>
+                                  </p:childTnLst>
+                                </p:cTn>
+                              </p:par>
+                              <p:par>
+                                <p:cTn id="28" presetID="16" presetClass="entr" presetSubtype="21" fill="hold" nodeType="withEffect">
+                                  <p:stCondLst>
+                                    <p:cond delay="0"/>
+                                  </p:stCondLst>
+                                  <p:childTnLst>
+                                    <p:set>
+                                      <p:cBhvr>
+                                        <p:cTn id="29" dur="1" fill="hold">
+                                          <p:stCondLst>
+                                            <p:cond delay="0"/>
+                                          </p:stCondLst>
+                                        </p:cTn>
+                                        <p:tgtEl>
+                                          <p:spTgt spid="3">
+                                            <p:txEl>
+                                              <p:pRg st="5" end="5"/>
+                                            </p:txEl>
+                                          </p:spTgt>
+                                        </p:tgtEl>
+                                        <p:attrNameLst>
+                                          <p:attrName>style.visibility</p:attrName>
+                                        </p:attrNameLst>
+                                      </p:cBhvr>
+                                      <p:to>
+                                        <p:strVal val="visible"/>
+                                      </p:to>
+                                    </p:set>
+                                    <p:animEffect transition="in" filter="barn(inVertical)">
+                                      <p:cBhvr>
+                                        <p:cTn id="30" dur="500"/>
+                                        <p:tgtEl>
+                                          <p:spTgt spid="3">
+                                            <p:txEl>
+                                              <p:pRg st="5" end="5"/>
+                                            </p:txEl>
+                                          </p:spTgt>
+                                        </p:tgtEl>
+                                      </p:cBhvr>
+                                    </p:animEffect>
+                                  </p:childTnLst>
+                                </p:cTn>
+                              </p:par>
+                            </p:childTnLst>
+                          </p:cTn>
+                        </p:par>
+                      </p:childTnLst>
+                    </p:cTn>
+                  </p:par>
+                  <p:par>
+                    <p:cTn id="31" fill="hold">
+                      <p:stCondLst>
+                        <p:cond delay="indefinite"/>
+                      </p:stCondLst>
+                      <p:childTnLst>
+                        <p:par>
+                          <p:cTn id="32" fill="hold">
+                            <p:stCondLst>
+                              <p:cond delay="0"/>
+                            </p:stCondLst>
+                            <p:childTnLst>
+                              <p:par>
+                                <p:cTn id="33" presetID="14" presetClass="entr" presetSubtype="10" fill="hold" nodeType="clickEffect">
+                                  <p:stCondLst>
+                                    <p:cond delay="0"/>
+                                  </p:stCondLst>
+                                  <p:childTnLst>
+                                    <p:set>
+                                      <p:cBhvr>
+                                        <p:cTn id="34" dur="1" fill="hold">
+                                          <p:stCondLst>
+                                            <p:cond delay="0"/>
+                                          </p:stCondLst>
+                                        </p:cTn>
+                                        <p:tgtEl>
+                                          <p:spTgt spid="3">
+                                            <p:txEl>
+                                              <p:pRg st="6" end="6"/>
+                                            </p:txEl>
+                                          </p:spTgt>
+                                        </p:tgtEl>
+                                        <p:attrNameLst>
+                                          <p:attrName>style.visibility</p:attrName>
+                                        </p:attrNameLst>
+                                      </p:cBhvr>
+                                      <p:to>
+                                        <p:strVal val="visible"/>
+                                      </p:to>
+                                    </p:set>
+                                    <p:animEffect transition="in" filter="randombar(horizontal)">
+                                      <p:cBhvr>
+                                        <p:cTn id="35" dur="500"/>
+                                        <p:tgtEl>
+                                          <p:spTgt spid="3">
+                                            <p:txEl>
+                                              <p:pRg st="6" end="6"/>
+                                            </p:txEl>
+                                          </p:spTgt>
+                                        </p:tgtEl>
+                                      </p:cBhvr>
+                                    </p:animEffect>
+                                  </p:childTnLst>
+                                </p:cTn>
+                              </p:par>
+                            </p:childTnLst>
+                          </p:cTn>
+                        </p:par>
+                      </p:childTnLst>
+                    </p:cTn>
+                  </p:par>
+                  <p:par>
+                    <p:cTn id="36" fill="hold">
+                      <p:stCondLst>
+                        <p:cond delay="indefinite"/>
+                      </p:stCondLst>
+                      <p:childTnLst>
+                        <p:par>
+                          <p:cTn id="37" fill="hold">
+                            <p:stCondLst>
+                              <p:cond delay="0"/>
+                            </p:stCondLst>
+                            <p:childTnLst>
+                              <p:par>
+                                <p:cTn id="38" presetID="14" presetClass="entr" presetSubtype="10" fill="hold" nodeType="clickEffect">
+                                  <p:stCondLst>
+                                    <p:cond delay="0"/>
+                                  </p:stCondLst>
+                                  <p:childTnLst>
+                                    <p:set>
+                                      <p:cBhvr>
+                                        <p:cTn id="39" dur="1" fill="hold">
+                                          <p:stCondLst>
+                                            <p:cond delay="0"/>
+                                          </p:stCondLst>
+                                        </p:cTn>
+                                        <p:tgtEl>
+                                          <p:spTgt spid="3">
+                                            <p:txEl>
+                                              <p:pRg st="7" end="7"/>
+                                            </p:txEl>
+                                          </p:spTgt>
+                                        </p:tgtEl>
+                                        <p:attrNameLst>
+                                          <p:attrName>style.visibility</p:attrName>
+                                        </p:attrNameLst>
+                                      </p:cBhvr>
+                                      <p:to>
+                                        <p:strVal val="visible"/>
+                                      </p:to>
+                                    </p:set>
+                                    <p:animEffect transition="in" filter="randombar(horizontal)">
+                                      <p:cBhvr>
+                                        <p:cTn id="40" dur="500"/>
+                                        <p:tgtEl>
+                                          <p:spTgt spid="3">
+                                            <p:txEl>
+                                              <p:pRg st="7" end="7"/>
+                                            </p:txEl>
+                                          </p:spTgt>
+                                        </p:tgtEl>
+                                      </p:cBhvr>
+                                    </p:animEffect>
+                                  </p:childTnLst>
+                                </p:cTn>
+                              </p:par>
+                            </p:childTnLst>
+                          </p:cTn>
+                        </p:par>
+                      </p:childTnLst>
+                    </p:cTn>
+                  </p:par>
+                  <p:par>
+                    <p:cTn id="41" fill="hold">
+                      <p:stCondLst>
+                        <p:cond delay="indefinite"/>
+                      </p:stCondLst>
+                      <p:childTnLst>
+                        <p:par>
+                          <p:cTn id="42" fill="hold">
+                            <p:stCondLst>
+                              <p:cond delay="0"/>
+                            </p:stCondLst>
+                            <p:childTnLst>
+                              <p:par>
+                                <p:cTn id="43" presetID="14" presetClass="entr" presetSubtype="10" fill="hold" nodeType="clickEffect">
+                                  <p:stCondLst>
+                                    <p:cond delay="0"/>
+                                  </p:stCondLst>
+                                  <p:childTnLst>
+                                    <p:set>
+                                      <p:cBhvr>
+                                        <p:cTn id="44" dur="1" fill="hold">
+                                          <p:stCondLst>
+                                            <p:cond delay="0"/>
+                                          </p:stCondLst>
+                                        </p:cTn>
+                                        <p:tgtEl>
+                                          <p:spTgt spid="3">
+                                            <p:txEl>
+                                              <p:pRg st="8" end="8"/>
+                                            </p:txEl>
+                                          </p:spTgt>
+                                        </p:tgtEl>
+                                        <p:attrNameLst>
+                                          <p:attrName>style.visibility</p:attrName>
+                                        </p:attrNameLst>
+                                      </p:cBhvr>
+                                      <p:to>
+                                        <p:strVal val="visible"/>
+                                      </p:to>
+                                    </p:set>
+                                    <p:animEffect transition="in" filter="randombar(horizontal)">
+                                      <p:cBhvr>
+                                        <p:cTn id="45" dur="500"/>
+                                        <p:tgtEl>
+                                          <p:spTgt spid="3">
+                                            <p:txEl>
+                                              <p:pRg st="8" end="8"/>
+                                            </p:txEl>
+                                          </p:spTgt>
+                                        </p:tgtEl>
+                                      </p:cBhvr>
+                                    </p:animEffect>
+                                  </p:childTnLst>
+                                </p:cTn>
+                              </p:par>
+                            </p:childTnLst>
+                          </p:cTn>
+                        </p:par>
+                      </p:childTnLst>
+                    </p:cTn>
+                  </p:par>
+                  <p:par>
+                    <p:cTn id="46" fill="hold">
+                      <p:stCondLst>
+                        <p:cond delay="indefinite"/>
+                      </p:stCondLst>
+                      <p:childTnLst>
+                        <p:par>
+                          <p:cTn id="47" fill="hold">
+                            <p:stCondLst>
+                              <p:cond delay="0"/>
+                            </p:stCondLst>
+                            <p:childTnLst>
+                              <p:par>
+                                <p:cTn id="48" presetID="14" presetClass="entr" presetSubtype="10" fill="hold" nodeType="clickEffect">
+                                  <p:stCondLst>
+                                    <p:cond delay="0"/>
+                                  </p:stCondLst>
+                                  <p:childTnLst>
+                                    <p:set>
+                                      <p:cBhvr>
+                                        <p:cTn id="49" dur="1" fill="hold">
+                                          <p:stCondLst>
+                                            <p:cond delay="0"/>
+                                          </p:stCondLst>
+                                        </p:cTn>
+                                        <p:tgtEl>
+                                          <p:spTgt spid="3">
+                                            <p:txEl>
+                                              <p:pRg st="9" end="9"/>
+                                            </p:txEl>
+                                          </p:spTgt>
+                                        </p:tgtEl>
+                                        <p:attrNameLst>
+                                          <p:attrName>style.visibility</p:attrName>
+                                        </p:attrNameLst>
+                                      </p:cBhvr>
+                                      <p:to>
+                                        <p:strVal val="visible"/>
+                                      </p:to>
+                                    </p:set>
+                                    <p:animEffect transition="in" filter="randombar(horizontal)">
+                                      <p:cBhvr>
+                                        <p:cTn id="50" dur="500"/>
+                                        <p:tgtEl>
+                                          <p:spTgt spid="3">
+                                            <p:txEl>
+                                              <p:pRg st="9" end="9"/>
+                                            </p:txEl>
+                                          </p:spTgt>
+                                        </p:tgtEl>
+                                      </p:cBhvr>
+                                    </p:animEffect>
+                                  </p:childTnLst>
+                                </p:cTn>
+                              </p:par>
+                            </p:childTnLst>
+                          </p:cTn>
+                        </p:par>
+                      </p:childTnLst>
+                    </p:cTn>
+                  </p:par>
+                </p:childTnLst>
+              </p:cTn>
+              <p:prevCondLst>
+                <p:cond evt="onPrev" delay="0">
+                  <p:tgtEl>
+                    <p:sldTgt/>
+                  </p:tgtEl>
+                </p:cond>
+              </p:prevCondLst>
+              <p:nextCondLst>
+                <p:cond evt="onNext" delay="0">
+                  <p:tgtEl>
+                    <p:sldTgt/>
+                  </p:tgtEl>
+                </p:cond>
+              </p:nextCondLst>
+            </p:seq>
+          </p:childTnLst>
+        </p:cTn>
+      </p:par>
+    </p:tnLst>
+  </p:timing>
+</p:sld>
+</file>
+
+<file path=ppt/slides/slide3.xml><?xml version="1.0" encoding="utf-8"?>
+<p:sld xmlns:a="http://schemas.openxmlformats.org/drawingml/2006/main" xmlns:r="http://schemas.openxmlformats.org/officeDocument/2006/relationships" xmlns:p="http://schemas.openxmlformats.org/presentationml/2006/main">
+  <p:cSld>
+    <p:spTree>
+      <p:nvGrpSpPr>
+        <p:cNvPr id="1" name=""/>
+        <p:cNvGrpSpPr/>
+        <p:nvPr/>
+      </p:nvGrpSpPr>
+      <p:grpSpPr>
+        <a:xfrm>
+          <a:off x="0" y="0"/>
+          <a:ext cx="0" cy="0"/>
+          <a:chOff x="0" y="0"/>
+          <a:chExt cx="0" cy="0"/>
+        </a:xfrm>
+      </p:grpSpPr>
+      <p:sp>
+        <p:nvSpPr>
+          <p:cNvPr id="2" name="TextBox 1">
+            <a:extLst>
+              <a:ext uri="{FF2B5EF4-FFF2-40B4-BE49-F238E27FC236}">
+                <a16:creationId xmlns:a16="http://schemas.microsoft.com/office/drawing/2014/main" id="{63FC45AB-B56B-F4A4-33E2-0C8B17AD5B56}"/>
+              </a:ext>
+            </a:extLst>
+          </p:cNvPr>
+          <p:cNvSpPr txBox="1"/>
+          <p:nvPr/>
+        </p:nvSpPr>
+        <p:spPr>
+          <a:xfrm>
+            <a:off x="1671483" y="1297858"/>
+            <a:ext cx="6528620" cy="1323439"/>
+          </a:xfrm>
+          <a:prstGeom prst="rect">
+            <a:avLst/>
+          </a:prstGeom>
+          <a:noFill/>
+        </p:spPr>
+        <p:txBody>
+          <a:bodyPr wrap="square" rtlCol="0">
+            <a:spAutoFit/>
+          </a:bodyPr>
+          <a:lstStyle/>
+          <a:p>
+            <a:r>
+              <a:rPr lang="ja-JP" altLang="en-US" sz="2800" dirty="0"/>
+              <a:t>参考ホームページ</a:t>
+            </a:r>
+            <a:endParaRPr lang="en-US" altLang="ja-JP" sz="2800" dirty="0"/>
+          </a:p>
+          <a:p>
+            <a:endParaRPr lang="en-US" sz="2800" dirty="0"/>
+          </a:p>
+          <a:p>
+            <a:pPr marL="457200" indent="-457200">
+              <a:buFont typeface="Arial" panose="020B0604020202020204" pitchFamily="34" charset="0"/>
+              <a:buChar char="•"/>
+            </a:pPr>
+            <a:r>
+              <a:rPr lang="id-ID" sz="2400" dirty="0"/>
+              <a:t>https://getbootstrap.com/</a:t>
+            </a:r>
+          </a:p>
+        </p:txBody>
+      </p:sp>
+    </p:spTree>
+    <p:extLst>
+      <p:ext uri="{BB962C8B-B14F-4D97-AF65-F5344CB8AC3E}">
+        <p14:creationId xmlns:p14="http://schemas.microsoft.com/office/powerpoint/2010/main" val="3069505141"/>
+      </p:ext>
+    </p:extLst>
+  </p:cSld>
+  <p:clrMapOvr>
+    <a:masterClrMapping/>
+  </p:clrMapOvr>
+  <mc:AlternateContent xmlns:mc="http://schemas.openxmlformats.org/markup-compatibility/2006">
+    <mc:Choice xmlns:p14="http://schemas.microsoft.com/office/powerpoint/2010/main" Requires="p14">
+      <p:transition spd="med" p14:dur="700">
+        <p:fade/>
+      </p:transition>
+    </mc:Choice>
+    <mc:Fallback>
+      <p:transition spd="med">
+        <p:fade/>
+      </p:transition>
+    </mc:Fallback>
+  </mc:AlternateContent>
+  <p:timing>
+    <p:tnLst>
+      <p:par>
+        <p:cTn id="1" dur="indefinite" restart="never" nodeType="tmRoot">
+          <p:childTnLst>
+            <p:seq concurrent="1" nextAc="seek">
+              <p:cTn id="2" dur="indefinite" nodeType="mainSeq">
+                <p:childTnLst>
+                  <p:par>
+                    <p:cTn id="3" fill="hold">
+                      <p:stCondLst>
+                        <p:cond delay="indefinite"/>
+                      </p:stCondLst>
+                      <p:childTnLst>
+                        <p:par>
+                          <p:cTn id="4" fill="hold">
+                            <p:stCondLst>
+                              <p:cond delay="0"/>
+                            </p:stCondLst>
+                            <p:childTnLst>
+                              <p:par>
+                                <p:cTn id="5" presetID="10" presetClass="entr" presetSubtype="0" fill="hold" nodeType="clickEffect">
+                                  <p:stCondLst>
+                                    <p:cond delay="0"/>
+                                  </p:stCondLst>
+                                  <p:childTnLst>
+                                    <p:set>
+                                      <p:cBhvr>
+                                        <p:cTn id="6" dur="1" fill="hold">
+                                          <p:stCondLst>
+                                            <p:cond delay="0"/>
+                                          </p:stCondLst>
+                                        </p:cTn>
+                                        <p:tgtEl>
+                                          <p:spTgt spid="2">
+                                            <p:txEl>
+                                              <p:pRg st="0" end="0"/>
+                                            </p:txEl>
+                                          </p:spTgt>
+                                        </p:tgtEl>
+                                        <p:attrNameLst>
+                                          <p:attrName>style.visibility</p:attrName>
+                                        </p:attrNameLst>
+                                      </p:cBhvr>
+                                      <p:to>
+                                        <p:strVal val="visible"/>
+                                      </p:to>
+                                    </p:set>
+                                    <p:animEffect transition="in" filter="fade">
+                                      <p:cBhvr>
+                                        <p:cTn id="7" dur="500"/>
+                                        <p:tgtEl>
+                                          <p:spTgt spid="2">
+                                            <p:txEl>
+                                              <p:pRg st="0" end="0"/>
+                                            </p:txEl>
+                                          </p:spTgt>
+                                        </p:tgtEl>
+                                      </p:cBhvr>
+                                    </p:animEffect>
+                                  </p:childTnLst>
+                                </p:cTn>
+                              </p:par>
+                            </p:childTnLst>
+                          </p:cTn>
+                        </p:par>
+                      </p:childTnLst>
+                    </p:cTn>
+                  </p:par>
+                  <p:par>
+                    <p:cTn id="8" fill="hold">
+                      <p:stCondLst>
+                        <p:cond delay="indefinite"/>
+                      </p:stCondLst>
+                      <p:childTnLst>
+                        <p:par>
+                          <p:cTn id="9" fill="hold">
+                            <p:stCondLst>
+                              <p:cond delay="0"/>
+                            </p:stCondLst>
+                            <p:childTnLst>
+                              <p:par>
+                                <p:cTn id="10" presetID="16" presetClass="entr" presetSubtype="21" fill="hold" nodeType="clickEffect">
+                                  <p:stCondLst>
+                                    <p:cond delay="0"/>
+                                  </p:stCondLst>
+                                  <p:childTnLst>
+                                    <p:set>
+                                      <p:cBhvr>
+                                        <p:cTn id="11" dur="1" fill="hold">
+                                          <p:stCondLst>
+                                            <p:cond delay="0"/>
+                                          </p:stCondLst>
+                                        </p:cTn>
+                                        <p:tgtEl>
+                                          <p:spTgt spid="2">
+                                            <p:txEl>
+                                              <p:pRg st="2" end="2"/>
+                                            </p:txEl>
+                                          </p:spTgt>
+                                        </p:tgtEl>
+                                        <p:attrNameLst>
+                                          <p:attrName>style.visibility</p:attrName>
+                                        </p:attrNameLst>
+                                      </p:cBhvr>
+                                      <p:to>
+                                        <p:strVal val="visible"/>
+                                      </p:to>
+                                    </p:set>
+                                    <p:animEffect transition="in" filter="barn(inVertical)">
+                                      <p:cBhvr>
+                                        <p:cTn id="12" dur="500"/>
+                                        <p:tgtEl>
+                                          <p:spTgt spid="2">
+                                            <p:txEl>
+                                              <p:pRg st="2" end="2"/>
+                                            </p:txEl>
+                                          </p:spTgt>
+                                        </p:tgtEl>
+                                      </p:cBhvr>
+                                    </p:animEffect>
+                                  </p:childTnLst>
+                                </p:cTn>
+                              </p:par>
+                            </p:childTnLst>
+                          </p:cTn>
+                        </p:par>
+                      </p:childTnLst>
+                    </p:cTn>
+                  </p:par>
+                </p:childTnLst>
+              </p:cTn>
+              <p:prevCondLst>
+                <p:cond evt="onPrev" delay="0">
+                  <p:tgtEl>
+                    <p:sldTgt/>
+                  </p:tgtEl>
+                </p:cond>
+              </p:prevCondLst>
+              <p:nextCondLst>
+                <p:cond evt="onNext" delay="0">
+                  <p:tgtEl>
+                    <p:sldTgt/>
+                  </p:tgtEl>
+                </p:cond>
+              </p:nextCondLst>
+            </p:seq>
+          </p:childTnLst>
+        </p:cTn>
+      </p:par>
+    </p:tnLst>
+  </p:timing>
 </p:sld>
 </file>
 
